--- a/COVID-19 Presentation.pptx
+++ b/COVID-19 Presentation.pptx
@@ -5,10 +5,10 @@
     <p:sldMasterId id="2147483648" r:id="rId1"/>
   </p:sldMasterIdLst>
   <p:notesMasterIdLst>
-    <p:notesMasterId r:id="rId14"/>
+    <p:notesMasterId r:id="rId15"/>
   </p:notesMasterIdLst>
   <p:handoutMasterIdLst>
-    <p:handoutMasterId r:id="rId15"/>
+    <p:handoutMasterId r:id="rId16"/>
   </p:handoutMasterIdLst>
   <p:sldIdLst>
     <p:sldId id="256" r:id="rId2"/>
@@ -16,13 +16,14 @@
     <p:sldId id="258" r:id="rId4"/>
     <p:sldId id="259" r:id="rId5"/>
     <p:sldId id="268" r:id="rId6"/>
-    <p:sldId id="269" r:id="rId7"/>
-    <p:sldId id="270" r:id="rId8"/>
-    <p:sldId id="265" r:id="rId9"/>
-    <p:sldId id="271" r:id="rId10"/>
-    <p:sldId id="272" r:id="rId11"/>
-    <p:sldId id="273" r:id="rId12"/>
-    <p:sldId id="266" r:id="rId13"/>
+    <p:sldId id="271" r:id="rId7"/>
+    <p:sldId id="272" r:id="rId8"/>
+    <p:sldId id="273" r:id="rId9"/>
+    <p:sldId id="274" r:id="rId10"/>
+    <p:sldId id="269" r:id="rId11"/>
+    <p:sldId id="270" r:id="rId12"/>
+    <p:sldId id="265" r:id="rId13"/>
+    <p:sldId id="266" r:id="rId14"/>
   </p:sldIdLst>
   <p:sldSz cx="12192000" cy="6858000"/>
   <p:notesSz cx="6858000" cy="9144000"/>
@@ -225,7 +226,7 @@
           <a:p>
             <a:fld id="{34475077-A074-4E8C-B45E-964494945228}" type="datetimeFigureOut">
               <a:rPr lang="en-US"/>
-              <a:t>1/15/2021</a:t>
+              <a:t>1/16/2021</a:t>
             </a:fld>
             <a:endParaRPr/>
           </a:p>
@@ -390,7 +391,7 @@
           <a:p>
             <a:fld id="{6A2B48A4-4B96-49F4-8C25-4C9D06114B2C}" type="datetimeFigureOut">
               <a:rPr lang="en-US"/>
-              <a:t>1/15/2021</a:t>
+              <a:t>1/16/2021</a:t>
             </a:fld>
             <a:endParaRPr/>
           </a:p>
@@ -1065,7 +1066,7 @@
     </p:spTree>
     <p:extLst>
       <p:ext uri="{BB962C8B-B14F-4D97-AF65-F5344CB8AC3E}">
-        <p14:creationId xmlns:p14="http://schemas.microsoft.com/office/powerpoint/2010/main" val="444176656"/>
+        <p14:creationId xmlns:p14="http://schemas.microsoft.com/office/powerpoint/2010/main" val="3106197738"/>
       </p:ext>
     </p:extLst>
   </p:cSld>
@@ -1177,7 +1178,7 @@
     </p:spTree>
     <p:extLst>
       <p:ext uri="{BB962C8B-B14F-4D97-AF65-F5344CB8AC3E}">
-        <p14:creationId xmlns:p14="http://schemas.microsoft.com/office/powerpoint/2010/main" val="2223450852"/>
+        <p14:creationId xmlns:p14="http://schemas.microsoft.com/office/powerpoint/2010/main" val="3685658866"/>
       </p:ext>
     </p:extLst>
   </p:cSld>
@@ -1280,7 +1281,7 @@
           <a:p>
             <a:fld id="{5D81F1E7-4EFD-4BFF-B438-FCD52FD36B17}" type="slidenum">
               <a:rPr lang="en-US" smtClean="0"/>
-              <a:t>9</a:t>
+              <a:t>8</a:t>
             </a:fld>
             <a:endParaRPr lang="en-US"/>
           </a:p>
@@ -1289,7 +1290,7 @@
     </p:spTree>
     <p:extLst>
       <p:ext uri="{BB962C8B-B14F-4D97-AF65-F5344CB8AC3E}">
-        <p14:creationId xmlns:p14="http://schemas.microsoft.com/office/powerpoint/2010/main" val="3106197738"/>
+        <p14:creationId xmlns:p14="http://schemas.microsoft.com/office/powerpoint/2010/main" val="4034268689"/>
       </p:ext>
     </p:extLst>
   </p:cSld>
@@ -1392,7 +1393,7 @@
           <a:p>
             <a:fld id="{5D81F1E7-4EFD-4BFF-B438-FCD52FD36B17}" type="slidenum">
               <a:rPr lang="en-US" smtClean="0"/>
-              <a:t>10</a:t>
+              <a:t>9</a:t>
             </a:fld>
             <a:endParaRPr lang="en-US"/>
           </a:p>
@@ -1401,7 +1402,7 @@
     </p:spTree>
     <p:extLst>
       <p:ext uri="{BB962C8B-B14F-4D97-AF65-F5344CB8AC3E}">
-        <p14:creationId xmlns:p14="http://schemas.microsoft.com/office/powerpoint/2010/main" val="3685658866"/>
+        <p14:creationId xmlns:p14="http://schemas.microsoft.com/office/powerpoint/2010/main" val="2774174814"/>
       </p:ext>
     </p:extLst>
   </p:cSld>
@@ -1504,6 +1505,118 @@
           <a:p>
             <a:fld id="{5D81F1E7-4EFD-4BFF-B438-FCD52FD36B17}" type="slidenum">
               <a:rPr lang="en-US" smtClean="0"/>
+              <a:t>10</a:t>
+            </a:fld>
+            <a:endParaRPr lang="en-US"/>
+          </a:p>
+        </p:txBody>
+      </p:sp>
+    </p:spTree>
+    <p:extLst>
+      <p:ext uri="{BB962C8B-B14F-4D97-AF65-F5344CB8AC3E}">
+        <p14:creationId xmlns:p14="http://schemas.microsoft.com/office/powerpoint/2010/main" val="444176656"/>
+      </p:ext>
+    </p:extLst>
+  </p:cSld>
+  <p:clrMapOvr>
+    <a:masterClrMapping/>
+  </p:clrMapOvr>
+</p:notes>
+</file>
+
+<file path=ppt/notesSlides/notesSlide9.xml><?xml version="1.0" encoding="utf-8"?>
+<p:notes xmlns:a="http://schemas.openxmlformats.org/drawingml/2006/main" xmlns:r="http://schemas.openxmlformats.org/officeDocument/2006/relationships" xmlns:p="http://schemas.openxmlformats.org/presentationml/2006/main">
+  <p:cSld>
+    <p:spTree>
+      <p:nvGrpSpPr>
+        <p:cNvPr id="1" name=""/>
+        <p:cNvGrpSpPr/>
+        <p:nvPr/>
+      </p:nvGrpSpPr>
+      <p:grpSpPr>
+        <a:xfrm>
+          <a:off x="0" y="0"/>
+          <a:ext cx="0" cy="0"/>
+          <a:chOff x="0" y="0"/>
+          <a:chExt cx="0" cy="0"/>
+        </a:xfrm>
+      </p:grpSpPr>
+      <p:sp>
+        <p:nvSpPr>
+          <p:cNvPr id="2" name="Slide Image Placeholder 1"/>
+          <p:cNvSpPr>
+            <a:spLocks noGrp="1" noRot="1" noChangeAspect="1"/>
+          </p:cNvSpPr>
+          <p:nvPr>
+            <p:ph type="sldImg"/>
+          </p:nvPr>
+        </p:nvSpPr>
+        <p:spPr/>
+      </p:sp>
+      <p:sp>
+        <p:nvSpPr>
+          <p:cNvPr id="3" name="Notes Placeholder 2"/>
+          <p:cNvSpPr>
+            <a:spLocks noGrp="1"/>
+          </p:cNvSpPr>
+          <p:nvPr>
+            <p:ph type="body" idx="1"/>
+          </p:nvPr>
+        </p:nvSpPr>
+        <p:spPr/>
+        <p:txBody>
+          <a:bodyPr/>
+          <a:lstStyle/>
+          <a:p>
+            <a:pPr marL="0" marR="0" indent="0" algn="l" defTabSz="914400" rtl="0" eaLnBrk="1" fontAlgn="auto" latinLnBrk="0" hangingPunct="1">
+              <a:lnSpc>
+                <a:spcPct val="100000"/>
+              </a:lnSpc>
+              <a:spcBef>
+                <a:spcPts val="0"/>
+              </a:spcBef>
+              <a:spcAft>
+                <a:spcPts val="0"/>
+              </a:spcAft>
+              <a:buClrTx/>
+              <a:buSzTx/>
+              <a:buFontTx/>
+              <a:buNone/>
+              <a:tabLst/>
+              <a:defRPr/>
+            </a:pPr>
+            <a:r>
+              <a:rPr lang="en-US" dirty="0"/>
+              <a:t>Summarize your research in</a:t>
+            </a:r>
+            <a:r>
+              <a:rPr lang="en-US" baseline="0" dirty="0"/>
+              <a:t> three to five points.</a:t>
+            </a:r>
+            <a:endParaRPr lang="en-US" dirty="0"/>
+          </a:p>
+          <a:p>
+            <a:endParaRPr lang="en-US" dirty="0"/>
+          </a:p>
+        </p:txBody>
+      </p:sp>
+      <p:sp>
+        <p:nvSpPr>
+          <p:cNvPr id="4" name="Slide Number Placeholder 3"/>
+          <p:cNvSpPr>
+            <a:spLocks noGrp="1"/>
+          </p:cNvSpPr>
+          <p:nvPr>
+            <p:ph type="sldNum" sz="quarter" idx="10"/>
+          </p:nvPr>
+        </p:nvSpPr>
+        <p:spPr/>
+        <p:txBody>
+          <a:bodyPr/>
+          <a:lstStyle/>
+          <a:p>
+            <a:fld id="{5D81F1E7-4EFD-4BFF-B438-FCD52FD36B17}" type="slidenum">
+              <a:rPr lang="en-US" smtClean="0"/>
               <a:t>11</a:t>
             </a:fld>
             <a:endParaRPr lang="en-US"/>
@@ -1513,7 +1626,7 @@
     </p:spTree>
     <p:extLst>
       <p:ext uri="{BB962C8B-B14F-4D97-AF65-F5344CB8AC3E}">
-        <p14:creationId xmlns:p14="http://schemas.microsoft.com/office/powerpoint/2010/main" val="4034268689"/>
+        <p14:creationId xmlns:p14="http://schemas.microsoft.com/office/powerpoint/2010/main" val="2223450852"/>
       </p:ext>
     </p:extLst>
   </p:cSld>
@@ -1934,7 +2047,7 @@
           <a:p>
             <a:fld id="{0402902D-A5F5-4D7D-AAA7-32469BA0BC4D}" type="datetimeFigureOut">
               <a:rPr lang="en-US"/>
-              <a:t>1/15/2021</a:t>
+              <a:t>1/16/2021</a:t>
             </a:fld>
             <a:endParaRPr/>
           </a:p>
@@ -2205,7 +2318,7 @@
           <a:p>
             <a:fld id="{0402902D-A5F5-4D7D-AAA7-32469BA0BC4D}" type="datetimeFigureOut">
               <a:rPr lang="en-US"/>
-              <a:t>1/15/2021</a:t>
+              <a:t>1/16/2021</a:t>
             </a:fld>
             <a:endParaRPr/>
           </a:p>
@@ -2387,7 +2500,7 @@
           <a:p>
             <a:fld id="{0402902D-A5F5-4D7D-AAA7-32469BA0BC4D}" type="datetimeFigureOut">
               <a:rPr lang="en-US"/>
-              <a:t>1/15/2021</a:t>
+              <a:t>1/16/2021</a:t>
             </a:fld>
             <a:endParaRPr/>
           </a:p>
@@ -2974,7 +3087,7 @@
           <a:p>
             <a:fld id="{0402902D-A5F5-4D7D-AAA7-32469BA0BC4D}" type="datetimeFigureOut">
               <a:rPr lang="en-US"/>
-              <a:t>1/15/2021</a:t>
+              <a:t>1/16/2021</a:t>
             </a:fld>
             <a:endParaRPr/>
           </a:p>
@@ -3422,7 +3535,7 @@
           <a:p>
             <a:fld id="{0402902D-A5F5-4D7D-AAA7-32469BA0BC4D}" type="datetimeFigureOut">
               <a:rPr lang="en-US"/>
-              <a:t>1/15/2021</a:t>
+              <a:t>1/16/2021</a:t>
             </a:fld>
             <a:endParaRPr/>
           </a:p>
@@ -3552,7 +3665,7 @@
           <a:p>
             <a:fld id="{0402902D-A5F5-4D7D-AAA7-32469BA0BC4D}" type="datetimeFigureOut">
               <a:rPr lang="en-US"/>
-              <a:t>1/15/2021</a:t>
+              <a:t>1/16/2021</a:t>
             </a:fld>
             <a:endParaRPr/>
           </a:p>
@@ -3659,7 +3772,7 @@
           <a:p>
             <a:fld id="{0402902D-A5F5-4D7D-AAA7-32469BA0BC4D}" type="datetimeFigureOut">
               <a:rPr lang="en-US"/>
-              <a:t>1/15/2021</a:t>
+              <a:t>1/16/2021</a:t>
             </a:fld>
             <a:endParaRPr dirty="0"/>
           </a:p>
@@ -4631,7 +4744,7 @@
             <a:fld id="{0402902D-A5F5-4D7D-AAA7-32469BA0BC4D}" type="datetimeFigureOut">
               <a:rPr lang="en-US"/>
               <a:pPr/>
-              <a:t>1/15/2021</a:t>
+              <a:t>1/16/2021</a:t>
             </a:fld>
             <a:endParaRPr dirty="0"/>
           </a:p>
@@ -5123,26 +5236,24 @@
           <a:p>
             <a:r>
               <a:rPr lang="en-US" dirty="0"/>
-              <a:t>Research – Testing</a:t>
+              <a:t>Research – COVID Unemployment Rate</a:t>
             </a:r>
           </a:p>
         </p:txBody>
       </p:sp>
       <p:pic>
         <p:nvPicPr>
-          <p:cNvPr id="2050" name="Picture 2">
+          <p:cNvPr id="1028" name="Picture 4">
             <a:extLst>
               <a:ext uri="{FF2B5EF4-FFF2-40B4-BE49-F238E27FC236}">
-                <a16:creationId xmlns:a16="http://schemas.microsoft.com/office/drawing/2014/main" id="{279639FE-0466-4ACA-9BE0-47F42C3BD1DD}"/>
+                <a16:creationId xmlns:a16="http://schemas.microsoft.com/office/drawing/2014/main" id="{3EC2AA11-EB2E-4571-8E7E-9889DF268684}"/>
               </a:ext>
             </a:extLst>
           </p:cNvPr>
           <p:cNvPicPr>
-            <a:picLocks noGrp="1" noChangeAspect="1" noChangeArrowheads="1"/>
+            <a:picLocks noChangeAspect="1" noChangeArrowheads="1"/>
           </p:cNvPicPr>
-          <p:nvPr>
-            <p:ph idx="1"/>
-          </p:nvPr>
+          <p:nvPr/>
         </p:nvPicPr>
         <p:blipFill>
           <a:blip r:embed="rId3">
@@ -5159,8 +5270,8 @@
         </p:blipFill>
         <p:spPr bwMode="auto">
           <a:xfrm>
-            <a:off x="2091270" y="1714499"/>
-            <a:ext cx="7609553" cy="4704961"/>
+            <a:off x="1651517" y="1434654"/>
+            <a:ext cx="8020180" cy="5296345"/>
           </a:xfrm>
           <a:prstGeom prst="rect">
             <a:avLst/>
@@ -5180,20 +5291,20 @@
     </p:spTree>
     <p:extLst>
       <p:ext uri="{BB962C8B-B14F-4D97-AF65-F5344CB8AC3E}">
-        <p14:creationId xmlns:p14="http://schemas.microsoft.com/office/powerpoint/2010/main" val="4159455039"/>
+        <p14:creationId xmlns:p14="http://schemas.microsoft.com/office/powerpoint/2010/main" val="1668076150"/>
       </p:ext>
     </p:extLst>
   </p:cSld>
   <p:clrMapOvr>
     <a:masterClrMapping/>
   </p:clrMapOvr>
-  <mc:AlternateContent xmlns:mc="http://schemas.openxmlformats.org/markup-compatibility/2006">
-    <mc:Choice xmlns:p14="http://schemas.microsoft.com/office/powerpoint/2010/main" Requires="p14">
+  <mc:AlternateContent xmlns:mc="http://schemas.openxmlformats.org/markup-compatibility/2006" xmlns:p14="http://schemas.microsoft.com/office/powerpoint/2010/main">
+    <mc:Choice Requires="p14">
       <p:transition spd="med" p14:dur="700">
         <p:fade/>
       </p:transition>
     </mc:Choice>
-    <mc:Fallback>
+    <mc:Fallback xmlns="">
       <p:transition spd="med">
         <p:fade/>
       </p:transition>
@@ -5244,17 +5355,17 @@
           <a:p>
             <a:r>
               <a:rPr lang="en-US" dirty="0"/>
-              <a:t>Research – Testing</a:t>
+              <a:t>Research – COVID Unemployment Rate</a:t>
             </a:r>
           </a:p>
         </p:txBody>
       </p:sp>
       <p:pic>
         <p:nvPicPr>
-          <p:cNvPr id="3074" name="Picture 2">
+          <p:cNvPr id="2054" name="Picture 6">
             <a:extLst>
               <a:ext uri="{FF2B5EF4-FFF2-40B4-BE49-F238E27FC236}">
-                <a16:creationId xmlns:a16="http://schemas.microsoft.com/office/drawing/2014/main" id="{C90DBEB9-BFBA-4E28-862C-1C0BE16FF67A}"/>
+                <a16:creationId xmlns:a16="http://schemas.microsoft.com/office/drawing/2014/main" id="{AC09A8EF-EF89-4437-88E5-8F4D5F72B1B0}"/>
               </a:ext>
             </a:extLst>
           </p:cNvPr>
@@ -5280,102 +5391,8 @@
         </p:blipFill>
         <p:spPr bwMode="auto">
           <a:xfrm>
-            <a:off x="508350" y="2535095"/>
-            <a:ext cx="3542857" cy="3136508"/>
-          </a:xfrm>
-          <a:prstGeom prst="rect">
-            <a:avLst/>
-          </a:prstGeom>
-          <a:noFill/>
-          <a:extLst>
-            <a:ext uri="{909E8E84-426E-40DD-AFC4-6F175D3DCCD1}">
-              <a14:hiddenFill xmlns:a14="http://schemas.microsoft.com/office/drawing/2010/main">
-                <a:solidFill>
-                  <a:srgbClr val="FFFFFF"/>
-                </a:solidFill>
-              </a14:hiddenFill>
-            </a:ext>
-          </a:extLst>
-        </p:spPr>
-      </p:pic>
-      <p:pic>
-        <p:nvPicPr>
-          <p:cNvPr id="3076" name="Picture 4">
-            <a:extLst>
-              <a:ext uri="{FF2B5EF4-FFF2-40B4-BE49-F238E27FC236}">
-                <a16:creationId xmlns:a16="http://schemas.microsoft.com/office/drawing/2014/main" id="{D2BA61EC-3D49-412B-A70F-5739687087B2}"/>
-              </a:ext>
-            </a:extLst>
-          </p:cNvPr>
-          <p:cNvPicPr>
-            <a:picLocks noChangeAspect="1" noChangeArrowheads="1"/>
-          </p:cNvPicPr>
-          <p:nvPr/>
-        </p:nvPicPr>
-        <p:blipFill>
-          <a:blip r:embed="rId4">
-            <a:extLst>
-              <a:ext uri="{28A0092B-C50C-407E-A947-70E740481C1C}">
-                <a14:useLocalDpi xmlns:a14="http://schemas.microsoft.com/office/drawing/2010/main" val="0"/>
-              </a:ext>
-            </a:extLst>
-          </a:blip>
-          <a:srcRect/>
-          <a:stretch>
-            <a:fillRect/>
-          </a:stretch>
-        </p:blipFill>
-        <p:spPr bwMode="auto">
-          <a:xfrm>
-            <a:off x="4404046" y="2625644"/>
-            <a:ext cx="3440577" cy="3045959"/>
-          </a:xfrm>
-          <a:prstGeom prst="rect">
-            <a:avLst/>
-          </a:prstGeom>
-          <a:noFill/>
-          <a:extLst>
-            <a:ext uri="{909E8E84-426E-40DD-AFC4-6F175D3DCCD1}">
-              <a14:hiddenFill xmlns:a14="http://schemas.microsoft.com/office/drawing/2010/main">
-                <a:solidFill>
-                  <a:srgbClr val="FFFFFF"/>
-                </a:solidFill>
-              </a14:hiddenFill>
-            </a:ext>
-          </a:extLst>
-        </p:spPr>
-      </p:pic>
-      <p:pic>
-        <p:nvPicPr>
-          <p:cNvPr id="3078" name="Picture 6">
-            <a:extLst>
-              <a:ext uri="{FF2B5EF4-FFF2-40B4-BE49-F238E27FC236}">
-                <a16:creationId xmlns:a16="http://schemas.microsoft.com/office/drawing/2014/main" id="{00392ABF-D27F-4444-931B-2286AE4C8AB3}"/>
-              </a:ext>
-            </a:extLst>
-          </p:cNvPr>
-          <p:cNvPicPr>
-            <a:picLocks noChangeAspect="1" noChangeArrowheads="1"/>
-          </p:cNvPicPr>
-          <p:nvPr/>
-        </p:nvPicPr>
-        <p:blipFill>
-          <a:blip r:embed="rId5">
-            <a:extLst>
-              <a:ext uri="{28A0092B-C50C-407E-A947-70E740481C1C}">
-                <a14:useLocalDpi xmlns:a14="http://schemas.microsoft.com/office/drawing/2010/main" val="0"/>
-              </a:ext>
-            </a:extLst>
-          </a:blip>
-          <a:srcRect/>
-          <a:stretch>
-            <a:fillRect/>
-          </a:stretch>
-        </p:blipFill>
-        <p:spPr bwMode="auto">
-          <a:xfrm>
-            <a:off x="8411031" y="2670919"/>
-            <a:ext cx="3440577" cy="3045959"/>
+            <a:off x="1558212" y="1499695"/>
+            <a:ext cx="7921690" cy="5231305"/>
           </a:xfrm>
           <a:prstGeom prst="rect">
             <a:avLst/>
@@ -5395,20 +5412,20 @@
     </p:spTree>
     <p:extLst>
       <p:ext uri="{BB962C8B-B14F-4D97-AF65-F5344CB8AC3E}">
-        <p14:creationId xmlns:p14="http://schemas.microsoft.com/office/powerpoint/2010/main" val="1261873405"/>
+        <p14:creationId xmlns:p14="http://schemas.microsoft.com/office/powerpoint/2010/main" val="3031740771"/>
       </p:ext>
     </p:extLst>
   </p:cSld>
   <p:clrMapOvr>
     <a:masterClrMapping/>
   </p:clrMapOvr>
-  <mc:AlternateContent xmlns:mc="http://schemas.openxmlformats.org/markup-compatibility/2006">
-    <mc:Choice xmlns:p14="http://schemas.microsoft.com/office/powerpoint/2010/main" Requires="p14">
+  <mc:AlternateContent xmlns:mc="http://schemas.openxmlformats.org/markup-compatibility/2006" xmlns:p14="http://schemas.microsoft.com/office/powerpoint/2010/main">
+    <mc:Choice Requires="p14">
       <p:transition spd="med" p14:dur="700">
         <p:fade/>
       </p:transition>
     </mc:Choice>
-    <mc:Fallback>
+    <mc:Fallback xmlns="">
       <p:transition spd="med">
         <p:fade/>
       </p:transition>
@@ -5418,6 +5435,96 @@
 </file>
 
 <file path=ppt/slides/slide12.xml><?xml version="1.0" encoding="utf-8"?>
+<p:sld xmlns:a="http://schemas.openxmlformats.org/drawingml/2006/main" xmlns:r="http://schemas.openxmlformats.org/officeDocument/2006/relationships" xmlns:p="http://schemas.openxmlformats.org/presentationml/2006/main">
+  <p:cSld>
+    <p:spTree>
+      <p:nvGrpSpPr>
+        <p:cNvPr id="1" name=""/>
+        <p:cNvGrpSpPr/>
+        <p:nvPr/>
+      </p:nvGrpSpPr>
+      <p:grpSpPr>
+        <a:xfrm>
+          <a:off x="0" y="0"/>
+          <a:ext cx="0" cy="0"/>
+          <a:chOff x="0" y="0"/>
+          <a:chExt cx="0" cy="0"/>
+        </a:xfrm>
+      </p:grpSpPr>
+      <p:sp>
+        <p:nvSpPr>
+          <p:cNvPr id="2" name="Title 1"/>
+          <p:cNvSpPr>
+            <a:spLocks noGrp="1"/>
+          </p:cNvSpPr>
+          <p:nvPr>
+            <p:ph type="title"/>
+          </p:nvPr>
+        </p:nvSpPr>
+        <p:spPr/>
+        <p:txBody>
+          <a:bodyPr/>
+          <a:lstStyle/>
+          <a:p>
+            <a:r>
+              <a:rPr lang="en-US" dirty="0"/>
+              <a:t>Unemployment Conclusion</a:t>
+            </a:r>
+          </a:p>
+        </p:txBody>
+      </p:sp>
+      <p:sp>
+        <p:nvSpPr>
+          <p:cNvPr id="3" name="Content Placeholder 2"/>
+          <p:cNvSpPr>
+            <a:spLocks noGrp="1"/>
+          </p:cNvSpPr>
+          <p:nvPr>
+            <p:ph idx="1"/>
+          </p:nvPr>
+        </p:nvSpPr>
+        <p:spPr/>
+        <p:txBody>
+          <a:bodyPr/>
+          <a:lstStyle/>
+          <a:p>
+            <a:r>
+              <a:rPr lang="en-US" b="0" i="0" dirty="0">
+                <a:effectLst/>
+                <a:latin typeface="Slack-Lato"/>
+              </a:rPr>
+              <a:t>Unemployment: Overall, the states seem to be clustered together in terms of the unemployment rate except for 4 notable outliers Arizona, California, Mississippi, and Montana. These 4 states have all been hit hard with labor market immobility. These states have in common tourism by way of several hundreds of thousands of people visiting each state for either their national parks, and or entertainment attractions. Based off the pandemic, these jobs have left thousands immobile within their careers and not having an opportunity to transfer their skillsets readily.</a:t>
+            </a:r>
+            <a:endParaRPr lang="en-US" dirty="0"/>
+          </a:p>
+        </p:txBody>
+      </p:sp>
+    </p:spTree>
+    <p:extLst>
+      <p:ext uri="{BB962C8B-B14F-4D97-AF65-F5344CB8AC3E}">
+        <p14:creationId xmlns:p14="http://schemas.microsoft.com/office/powerpoint/2010/main" val="2396544352"/>
+      </p:ext>
+    </p:extLst>
+  </p:cSld>
+  <p:clrMapOvr>
+    <a:masterClrMapping/>
+  </p:clrMapOvr>
+  <mc:AlternateContent xmlns:mc="http://schemas.openxmlformats.org/markup-compatibility/2006" xmlns:p14="http://schemas.microsoft.com/office/powerpoint/2010/main">
+    <mc:Choice Requires="p14">
+      <p:transition spd="med" p14:dur="700">
+        <p:fade/>
+      </p:transition>
+    </mc:Choice>
+    <mc:Fallback xmlns="">
+      <p:transition spd="med">
+        <p:fade/>
+      </p:transition>
+    </mc:Fallback>
+  </mc:AlternateContent>
+</p:sld>
+</file>
+
+<file path=ppt/slides/slide13.xml><?xml version="1.0" encoding="utf-8"?>
 <p:sld xmlns:a="http://schemas.openxmlformats.org/drawingml/2006/main" xmlns:r="http://schemas.openxmlformats.org/officeDocument/2006/relationships" xmlns:p="http://schemas.openxmlformats.org/presentationml/2006/main">
   <p:cSld>
     <p:spTree>
@@ -6073,336 +6180,6 @@
           <a:p>
             <a:r>
               <a:rPr lang="en-US" dirty="0"/>
-              <a:t>Research – COVID Unemployment Rate</a:t>
-            </a:r>
-          </a:p>
-        </p:txBody>
-      </p:sp>
-      <p:pic>
-        <p:nvPicPr>
-          <p:cNvPr id="1028" name="Picture 4">
-            <a:extLst>
-              <a:ext uri="{FF2B5EF4-FFF2-40B4-BE49-F238E27FC236}">
-                <a16:creationId xmlns:a16="http://schemas.microsoft.com/office/drawing/2014/main" id="{3EC2AA11-EB2E-4571-8E7E-9889DF268684}"/>
-              </a:ext>
-            </a:extLst>
-          </p:cNvPr>
-          <p:cNvPicPr>
-            <a:picLocks noChangeAspect="1" noChangeArrowheads="1"/>
-          </p:cNvPicPr>
-          <p:nvPr/>
-        </p:nvPicPr>
-        <p:blipFill>
-          <a:blip r:embed="rId3">
-            <a:extLst>
-              <a:ext uri="{28A0092B-C50C-407E-A947-70E740481C1C}">
-                <a14:useLocalDpi xmlns:a14="http://schemas.microsoft.com/office/drawing/2010/main" val="0"/>
-              </a:ext>
-            </a:extLst>
-          </a:blip>
-          <a:srcRect/>
-          <a:stretch>
-            <a:fillRect/>
-          </a:stretch>
-        </p:blipFill>
-        <p:spPr bwMode="auto">
-          <a:xfrm>
-            <a:off x="1651517" y="1434654"/>
-            <a:ext cx="8020180" cy="5296345"/>
-          </a:xfrm>
-          <a:prstGeom prst="rect">
-            <a:avLst/>
-          </a:prstGeom>
-          <a:noFill/>
-          <a:extLst>
-            <a:ext uri="{909E8E84-426E-40DD-AFC4-6F175D3DCCD1}">
-              <a14:hiddenFill xmlns:a14="http://schemas.microsoft.com/office/drawing/2010/main">
-                <a:solidFill>
-                  <a:srgbClr val="FFFFFF"/>
-                </a:solidFill>
-              </a14:hiddenFill>
-            </a:ext>
-          </a:extLst>
-        </p:spPr>
-      </p:pic>
-    </p:spTree>
-    <p:extLst>
-      <p:ext uri="{BB962C8B-B14F-4D97-AF65-F5344CB8AC3E}">
-        <p14:creationId xmlns:p14="http://schemas.microsoft.com/office/powerpoint/2010/main" val="1668076150"/>
-      </p:ext>
-    </p:extLst>
-  </p:cSld>
-  <p:clrMapOvr>
-    <a:masterClrMapping/>
-  </p:clrMapOvr>
-  <mc:AlternateContent xmlns:mc="http://schemas.openxmlformats.org/markup-compatibility/2006" xmlns:p14="http://schemas.microsoft.com/office/powerpoint/2010/main">
-    <mc:Choice Requires="p14">
-      <p:transition spd="med" p14:dur="700">
-        <p:fade/>
-      </p:transition>
-    </mc:Choice>
-    <mc:Fallback xmlns="">
-      <p:transition spd="med">
-        <p:fade/>
-      </p:transition>
-    </mc:Fallback>
-  </mc:AlternateContent>
-</p:sld>
-</file>
-
-<file path=ppt/slides/slide7.xml><?xml version="1.0" encoding="utf-8"?>
-<p:sld xmlns:a="http://schemas.openxmlformats.org/drawingml/2006/main" xmlns:r="http://schemas.openxmlformats.org/officeDocument/2006/relationships" xmlns:p="http://schemas.openxmlformats.org/presentationml/2006/main">
-  <p:cSld>
-    <p:bg>
-      <p:bgPr>
-        <a:solidFill>
-          <a:schemeClr val="tx1"/>
-        </a:solidFill>
-        <a:effectLst/>
-      </p:bgPr>
-    </p:bg>
-    <p:spTree>
-      <p:nvGrpSpPr>
-        <p:cNvPr id="1" name=""/>
-        <p:cNvGrpSpPr/>
-        <p:nvPr/>
-      </p:nvGrpSpPr>
-      <p:grpSpPr>
-        <a:xfrm>
-          <a:off x="0" y="0"/>
-          <a:ext cx="0" cy="0"/>
-          <a:chOff x="0" y="0"/>
-          <a:chExt cx="0" cy="0"/>
-        </a:xfrm>
-      </p:grpSpPr>
-      <p:sp>
-        <p:nvSpPr>
-          <p:cNvPr id="2" name="Title 1"/>
-          <p:cNvSpPr>
-            <a:spLocks noGrp="1"/>
-          </p:cNvSpPr>
-          <p:nvPr>
-            <p:ph type="title"/>
-          </p:nvPr>
-        </p:nvSpPr>
-        <p:spPr/>
-        <p:txBody>
-          <a:bodyPr/>
-          <a:lstStyle/>
-          <a:p>
-            <a:r>
-              <a:rPr lang="en-US" dirty="0"/>
-              <a:t>Research – COVID Unemployment Rate</a:t>
-            </a:r>
-          </a:p>
-        </p:txBody>
-      </p:sp>
-      <p:pic>
-        <p:nvPicPr>
-          <p:cNvPr id="2054" name="Picture 6">
-            <a:extLst>
-              <a:ext uri="{FF2B5EF4-FFF2-40B4-BE49-F238E27FC236}">
-                <a16:creationId xmlns:a16="http://schemas.microsoft.com/office/drawing/2014/main" id="{AC09A8EF-EF89-4437-88E5-8F4D5F72B1B0}"/>
-              </a:ext>
-            </a:extLst>
-          </p:cNvPr>
-          <p:cNvPicPr>
-            <a:picLocks noGrp="1" noChangeAspect="1" noChangeArrowheads="1"/>
-          </p:cNvPicPr>
-          <p:nvPr>
-            <p:ph idx="1"/>
-          </p:nvPr>
-        </p:nvPicPr>
-        <p:blipFill>
-          <a:blip r:embed="rId3">
-            <a:extLst>
-              <a:ext uri="{28A0092B-C50C-407E-A947-70E740481C1C}">
-                <a14:useLocalDpi xmlns:a14="http://schemas.microsoft.com/office/drawing/2010/main" val="0"/>
-              </a:ext>
-            </a:extLst>
-          </a:blip>
-          <a:srcRect/>
-          <a:stretch>
-            <a:fillRect/>
-          </a:stretch>
-        </p:blipFill>
-        <p:spPr bwMode="auto">
-          <a:xfrm>
-            <a:off x="1558212" y="1499695"/>
-            <a:ext cx="7921690" cy="5231305"/>
-          </a:xfrm>
-          <a:prstGeom prst="rect">
-            <a:avLst/>
-          </a:prstGeom>
-          <a:noFill/>
-          <a:extLst>
-            <a:ext uri="{909E8E84-426E-40DD-AFC4-6F175D3DCCD1}">
-              <a14:hiddenFill xmlns:a14="http://schemas.microsoft.com/office/drawing/2010/main">
-                <a:solidFill>
-                  <a:srgbClr val="FFFFFF"/>
-                </a:solidFill>
-              </a14:hiddenFill>
-            </a:ext>
-          </a:extLst>
-        </p:spPr>
-      </p:pic>
-    </p:spTree>
-    <p:extLst>
-      <p:ext uri="{BB962C8B-B14F-4D97-AF65-F5344CB8AC3E}">
-        <p14:creationId xmlns:p14="http://schemas.microsoft.com/office/powerpoint/2010/main" val="3031740771"/>
-      </p:ext>
-    </p:extLst>
-  </p:cSld>
-  <p:clrMapOvr>
-    <a:masterClrMapping/>
-  </p:clrMapOvr>
-  <mc:AlternateContent xmlns:mc="http://schemas.openxmlformats.org/markup-compatibility/2006" xmlns:p14="http://schemas.microsoft.com/office/powerpoint/2010/main">
-    <mc:Choice Requires="p14">
-      <p:transition spd="med" p14:dur="700">
-        <p:fade/>
-      </p:transition>
-    </mc:Choice>
-    <mc:Fallback xmlns="">
-      <p:transition spd="med">
-        <p:fade/>
-      </p:transition>
-    </mc:Fallback>
-  </mc:AlternateContent>
-</p:sld>
-</file>
-
-<file path=ppt/slides/slide8.xml><?xml version="1.0" encoding="utf-8"?>
-<p:sld xmlns:a="http://schemas.openxmlformats.org/drawingml/2006/main" xmlns:r="http://schemas.openxmlformats.org/officeDocument/2006/relationships" xmlns:p="http://schemas.openxmlformats.org/presentationml/2006/main">
-  <p:cSld>
-    <p:spTree>
-      <p:nvGrpSpPr>
-        <p:cNvPr id="1" name=""/>
-        <p:cNvGrpSpPr/>
-        <p:nvPr/>
-      </p:nvGrpSpPr>
-      <p:grpSpPr>
-        <a:xfrm>
-          <a:off x="0" y="0"/>
-          <a:ext cx="0" cy="0"/>
-          <a:chOff x="0" y="0"/>
-          <a:chExt cx="0" cy="0"/>
-        </a:xfrm>
-      </p:grpSpPr>
-      <p:sp>
-        <p:nvSpPr>
-          <p:cNvPr id="2" name="Title 1"/>
-          <p:cNvSpPr>
-            <a:spLocks noGrp="1"/>
-          </p:cNvSpPr>
-          <p:nvPr>
-            <p:ph type="title"/>
-          </p:nvPr>
-        </p:nvSpPr>
-        <p:spPr/>
-        <p:txBody>
-          <a:bodyPr/>
-          <a:lstStyle/>
-          <a:p>
-            <a:r>
-              <a:rPr lang="en-US" dirty="0"/>
-              <a:t>Unemployment Conclusion</a:t>
-            </a:r>
-          </a:p>
-        </p:txBody>
-      </p:sp>
-      <p:sp>
-        <p:nvSpPr>
-          <p:cNvPr id="3" name="Content Placeholder 2"/>
-          <p:cNvSpPr>
-            <a:spLocks noGrp="1"/>
-          </p:cNvSpPr>
-          <p:nvPr>
-            <p:ph idx="1"/>
-          </p:nvPr>
-        </p:nvSpPr>
-        <p:spPr/>
-        <p:txBody>
-          <a:bodyPr/>
-          <a:lstStyle/>
-          <a:p>
-            <a:r>
-              <a:rPr lang="en-US" b="0" i="0" dirty="0">
-                <a:effectLst/>
-                <a:latin typeface="Slack-Lato"/>
-              </a:rPr>
-              <a:t>Unemployment: Overall, the states seem to be clustered together in terms of the unemployment rate except for 4 notable outliers Arizona, California, Mississippi, and Montana. These 4 states have all been hit hard with labor market immobility. These states have in common tourism by way of several hundreds of thousands of people visiting each state for either their national parks, and or entertainment attractions. Based off the pandemic, these jobs have left thousands immobile within their careers and not having an opportunity to transfer their skillsets readily.</a:t>
-            </a:r>
-            <a:endParaRPr lang="en-US" dirty="0"/>
-          </a:p>
-        </p:txBody>
-      </p:sp>
-    </p:spTree>
-    <p:extLst>
-      <p:ext uri="{BB962C8B-B14F-4D97-AF65-F5344CB8AC3E}">
-        <p14:creationId xmlns:p14="http://schemas.microsoft.com/office/powerpoint/2010/main" val="2396544352"/>
-      </p:ext>
-    </p:extLst>
-  </p:cSld>
-  <p:clrMapOvr>
-    <a:masterClrMapping/>
-  </p:clrMapOvr>
-  <mc:AlternateContent xmlns:mc="http://schemas.openxmlformats.org/markup-compatibility/2006" xmlns:p14="http://schemas.microsoft.com/office/powerpoint/2010/main">
-    <mc:Choice Requires="p14">
-      <p:transition spd="med" p14:dur="700">
-        <p:fade/>
-      </p:transition>
-    </mc:Choice>
-    <mc:Fallback xmlns="">
-      <p:transition spd="med">
-        <p:fade/>
-      </p:transition>
-    </mc:Fallback>
-  </mc:AlternateContent>
-</p:sld>
-</file>
-
-<file path=ppt/slides/slide9.xml><?xml version="1.0" encoding="utf-8"?>
-<p:sld xmlns:a="http://schemas.openxmlformats.org/drawingml/2006/main" xmlns:r="http://schemas.openxmlformats.org/officeDocument/2006/relationships" xmlns:p="http://schemas.openxmlformats.org/presentationml/2006/main">
-  <p:cSld>
-    <p:bg>
-      <p:bgPr>
-        <a:solidFill>
-          <a:schemeClr val="tx1"/>
-        </a:solidFill>
-        <a:effectLst/>
-      </p:bgPr>
-    </p:bg>
-    <p:spTree>
-      <p:nvGrpSpPr>
-        <p:cNvPr id="1" name=""/>
-        <p:cNvGrpSpPr/>
-        <p:nvPr/>
-      </p:nvGrpSpPr>
-      <p:grpSpPr>
-        <a:xfrm>
-          <a:off x="0" y="0"/>
-          <a:ext cx="0" cy="0"/>
-          <a:chOff x="0" y="0"/>
-          <a:chExt cx="0" cy="0"/>
-        </a:xfrm>
-      </p:grpSpPr>
-      <p:sp>
-        <p:nvSpPr>
-          <p:cNvPr id="2" name="Title 1"/>
-          <p:cNvSpPr>
-            <a:spLocks noGrp="1"/>
-          </p:cNvSpPr>
-          <p:nvPr>
-            <p:ph type="title"/>
-          </p:nvPr>
-        </p:nvSpPr>
-        <p:spPr/>
-        <p:txBody>
-          <a:bodyPr/>
-          <a:lstStyle/>
-          <a:p>
-            <a:r>
-              <a:rPr lang="en-US" dirty="0"/>
               <a:t>Research – Testing</a:t>
             </a:r>
           </a:p>
@@ -6459,6 +6236,444 @@
     <p:extLst>
       <p:ext uri="{BB962C8B-B14F-4D97-AF65-F5344CB8AC3E}">
         <p14:creationId xmlns:p14="http://schemas.microsoft.com/office/powerpoint/2010/main" val="870231508"/>
+      </p:ext>
+    </p:extLst>
+  </p:cSld>
+  <p:clrMapOvr>
+    <a:masterClrMapping/>
+  </p:clrMapOvr>
+  <mc:AlternateContent xmlns:mc="http://schemas.openxmlformats.org/markup-compatibility/2006" xmlns:p14="http://schemas.microsoft.com/office/powerpoint/2010/main">
+    <mc:Choice Requires="p14">
+      <p:transition spd="med" p14:dur="700">
+        <p:fade/>
+      </p:transition>
+    </mc:Choice>
+    <mc:Fallback xmlns="">
+      <p:transition spd="med">
+        <p:fade/>
+      </p:transition>
+    </mc:Fallback>
+  </mc:AlternateContent>
+</p:sld>
+</file>
+
+<file path=ppt/slides/slide7.xml><?xml version="1.0" encoding="utf-8"?>
+<p:sld xmlns:a="http://schemas.openxmlformats.org/drawingml/2006/main" xmlns:r="http://schemas.openxmlformats.org/officeDocument/2006/relationships" xmlns:p="http://schemas.openxmlformats.org/presentationml/2006/main">
+  <p:cSld>
+    <p:bg>
+      <p:bgPr>
+        <a:solidFill>
+          <a:schemeClr val="tx1"/>
+        </a:solidFill>
+        <a:effectLst/>
+      </p:bgPr>
+    </p:bg>
+    <p:spTree>
+      <p:nvGrpSpPr>
+        <p:cNvPr id="1" name=""/>
+        <p:cNvGrpSpPr/>
+        <p:nvPr/>
+      </p:nvGrpSpPr>
+      <p:grpSpPr>
+        <a:xfrm>
+          <a:off x="0" y="0"/>
+          <a:ext cx="0" cy="0"/>
+          <a:chOff x="0" y="0"/>
+          <a:chExt cx="0" cy="0"/>
+        </a:xfrm>
+      </p:grpSpPr>
+      <p:sp>
+        <p:nvSpPr>
+          <p:cNvPr id="2" name="Title 1"/>
+          <p:cNvSpPr>
+            <a:spLocks noGrp="1"/>
+          </p:cNvSpPr>
+          <p:nvPr>
+            <p:ph type="title"/>
+          </p:nvPr>
+        </p:nvSpPr>
+        <p:spPr/>
+        <p:txBody>
+          <a:bodyPr/>
+          <a:lstStyle/>
+          <a:p>
+            <a:r>
+              <a:rPr lang="en-US" dirty="0"/>
+              <a:t>Research – Testing</a:t>
+            </a:r>
+          </a:p>
+        </p:txBody>
+      </p:sp>
+      <p:pic>
+        <p:nvPicPr>
+          <p:cNvPr id="2050" name="Picture 2">
+            <a:extLst>
+              <a:ext uri="{FF2B5EF4-FFF2-40B4-BE49-F238E27FC236}">
+                <a16:creationId xmlns:a16="http://schemas.microsoft.com/office/drawing/2014/main" id="{279639FE-0466-4ACA-9BE0-47F42C3BD1DD}"/>
+              </a:ext>
+            </a:extLst>
+          </p:cNvPr>
+          <p:cNvPicPr>
+            <a:picLocks noGrp="1" noChangeAspect="1" noChangeArrowheads="1"/>
+          </p:cNvPicPr>
+          <p:nvPr>
+            <p:ph idx="1"/>
+          </p:nvPr>
+        </p:nvPicPr>
+        <p:blipFill>
+          <a:blip r:embed="rId3">
+            <a:extLst>
+              <a:ext uri="{28A0092B-C50C-407E-A947-70E740481C1C}">
+                <a14:useLocalDpi xmlns:a14="http://schemas.microsoft.com/office/drawing/2010/main" val="0"/>
+              </a:ext>
+            </a:extLst>
+          </a:blip>
+          <a:srcRect/>
+          <a:stretch>
+            <a:fillRect/>
+          </a:stretch>
+        </p:blipFill>
+        <p:spPr bwMode="auto">
+          <a:xfrm>
+            <a:off x="2091270" y="1714499"/>
+            <a:ext cx="7609553" cy="4704961"/>
+          </a:xfrm>
+          <a:prstGeom prst="rect">
+            <a:avLst/>
+          </a:prstGeom>
+          <a:noFill/>
+          <a:extLst>
+            <a:ext uri="{909E8E84-426E-40DD-AFC4-6F175D3DCCD1}">
+              <a14:hiddenFill xmlns:a14="http://schemas.microsoft.com/office/drawing/2010/main">
+                <a:solidFill>
+                  <a:srgbClr val="FFFFFF"/>
+                </a:solidFill>
+              </a14:hiddenFill>
+            </a:ext>
+          </a:extLst>
+        </p:spPr>
+      </p:pic>
+    </p:spTree>
+    <p:extLst>
+      <p:ext uri="{BB962C8B-B14F-4D97-AF65-F5344CB8AC3E}">
+        <p14:creationId xmlns:p14="http://schemas.microsoft.com/office/powerpoint/2010/main" val="4159455039"/>
+      </p:ext>
+    </p:extLst>
+  </p:cSld>
+  <p:clrMapOvr>
+    <a:masterClrMapping/>
+  </p:clrMapOvr>
+  <mc:AlternateContent xmlns:mc="http://schemas.openxmlformats.org/markup-compatibility/2006" xmlns:p14="http://schemas.microsoft.com/office/powerpoint/2010/main">
+    <mc:Choice Requires="p14">
+      <p:transition spd="med" p14:dur="700">
+        <p:fade/>
+      </p:transition>
+    </mc:Choice>
+    <mc:Fallback xmlns="">
+      <p:transition spd="med">
+        <p:fade/>
+      </p:transition>
+    </mc:Fallback>
+  </mc:AlternateContent>
+</p:sld>
+</file>
+
+<file path=ppt/slides/slide8.xml><?xml version="1.0" encoding="utf-8"?>
+<p:sld xmlns:a="http://schemas.openxmlformats.org/drawingml/2006/main" xmlns:r="http://schemas.openxmlformats.org/officeDocument/2006/relationships" xmlns:p="http://schemas.openxmlformats.org/presentationml/2006/main">
+  <p:cSld>
+    <p:bg>
+      <p:bgPr>
+        <a:solidFill>
+          <a:schemeClr val="tx1"/>
+        </a:solidFill>
+        <a:effectLst/>
+      </p:bgPr>
+    </p:bg>
+    <p:spTree>
+      <p:nvGrpSpPr>
+        <p:cNvPr id="1" name=""/>
+        <p:cNvGrpSpPr/>
+        <p:nvPr/>
+      </p:nvGrpSpPr>
+      <p:grpSpPr>
+        <a:xfrm>
+          <a:off x="0" y="0"/>
+          <a:ext cx="0" cy="0"/>
+          <a:chOff x="0" y="0"/>
+          <a:chExt cx="0" cy="0"/>
+        </a:xfrm>
+      </p:grpSpPr>
+      <p:sp>
+        <p:nvSpPr>
+          <p:cNvPr id="2" name="Title 1"/>
+          <p:cNvSpPr>
+            <a:spLocks noGrp="1"/>
+          </p:cNvSpPr>
+          <p:nvPr>
+            <p:ph type="title"/>
+          </p:nvPr>
+        </p:nvSpPr>
+        <p:spPr/>
+        <p:txBody>
+          <a:bodyPr/>
+          <a:lstStyle/>
+          <a:p>
+            <a:r>
+              <a:rPr lang="en-US" dirty="0"/>
+              <a:t>Research – Testing</a:t>
+            </a:r>
+          </a:p>
+        </p:txBody>
+      </p:sp>
+      <p:pic>
+        <p:nvPicPr>
+          <p:cNvPr id="3074" name="Picture 2">
+            <a:extLst>
+              <a:ext uri="{FF2B5EF4-FFF2-40B4-BE49-F238E27FC236}">
+                <a16:creationId xmlns:a16="http://schemas.microsoft.com/office/drawing/2014/main" id="{C90DBEB9-BFBA-4E28-862C-1C0BE16FF67A}"/>
+              </a:ext>
+            </a:extLst>
+          </p:cNvPr>
+          <p:cNvPicPr>
+            <a:picLocks noGrp="1" noChangeAspect="1" noChangeArrowheads="1"/>
+          </p:cNvPicPr>
+          <p:nvPr>
+            <p:ph idx="1"/>
+          </p:nvPr>
+        </p:nvPicPr>
+        <p:blipFill>
+          <a:blip r:embed="rId3">
+            <a:extLst>
+              <a:ext uri="{28A0092B-C50C-407E-A947-70E740481C1C}">
+                <a14:useLocalDpi xmlns:a14="http://schemas.microsoft.com/office/drawing/2010/main" val="0"/>
+              </a:ext>
+            </a:extLst>
+          </a:blip>
+          <a:srcRect/>
+          <a:stretch>
+            <a:fillRect/>
+          </a:stretch>
+        </p:blipFill>
+        <p:spPr bwMode="auto">
+          <a:xfrm>
+            <a:off x="8413379" y="2535095"/>
+            <a:ext cx="3542857" cy="3136508"/>
+          </a:xfrm>
+          <a:prstGeom prst="rect">
+            <a:avLst/>
+          </a:prstGeom>
+          <a:noFill/>
+          <a:extLst>
+            <a:ext uri="{909E8E84-426E-40DD-AFC4-6F175D3DCCD1}">
+              <a14:hiddenFill xmlns:a14="http://schemas.microsoft.com/office/drawing/2010/main">
+                <a:solidFill>
+                  <a:srgbClr val="FFFFFF"/>
+                </a:solidFill>
+              </a14:hiddenFill>
+            </a:ext>
+          </a:extLst>
+        </p:spPr>
+      </p:pic>
+      <p:pic>
+        <p:nvPicPr>
+          <p:cNvPr id="3076" name="Picture 4">
+            <a:extLst>
+              <a:ext uri="{FF2B5EF4-FFF2-40B4-BE49-F238E27FC236}">
+                <a16:creationId xmlns:a16="http://schemas.microsoft.com/office/drawing/2014/main" id="{D2BA61EC-3D49-412B-A70F-5739687087B2}"/>
+              </a:ext>
+            </a:extLst>
+          </p:cNvPr>
+          <p:cNvPicPr>
+            <a:picLocks noChangeAspect="1" noChangeArrowheads="1"/>
+          </p:cNvPicPr>
+          <p:nvPr/>
+        </p:nvPicPr>
+        <p:blipFill>
+          <a:blip r:embed="rId4">
+            <a:extLst>
+              <a:ext uri="{28A0092B-C50C-407E-A947-70E740481C1C}">
+                <a14:useLocalDpi xmlns:a14="http://schemas.microsoft.com/office/drawing/2010/main" val="0"/>
+              </a:ext>
+            </a:extLst>
+          </a:blip>
+          <a:srcRect/>
+          <a:stretch>
+            <a:fillRect/>
+          </a:stretch>
+        </p:blipFill>
+        <p:spPr bwMode="auto">
+          <a:xfrm>
+            <a:off x="4404046" y="2625644"/>
+            <a:ext cx="3440577" cy="3045959"/>
+          </a:xfrm>
+          <a:prstGeom prst="rect">
+            <a:avLst/>
+          </a:prstGeom>
+          <a:noFill/>
+          <a:extLst>
+            <a:ext uri="{909E8E84-426E-40DD-AFC4-6F175D3DCCD1}">
+              <a14:hiddenFill xmlns:a14="http://schemas.microsoft.com/office/drawing/2010/main">
+                <a:solidFill>
+                  <a:srgbClr val="FFFFFF"/>
+                </a:solidFill>
+              </a14:hiddenFill>
+            </a:ext>
+          </a:extLst>
+        </p:spPr>
+      </p:pic>
+      <p:pic>
+        <p:nvPicPr>
+          <p:cNvPr id="3078" name="Picture 6">
+            <a:extLst>
+              <a:ext uri="{FF2B5EF4-FFF2-40B4-BE49-F238E27FC236}">
+                <a16:creationId xmlns:a16="http://schemas.microsoft.com/office/drawing/2014/main" id="{00392ABF-D27F-4444-931B-2286AE4C8AB3}"/>
+              </a:ext>
+            </a:extLst>
+          </p:cNvPr>
+          <p:cNvPicPr>
+            <a:picLocks noChangeAspect="1" noChangeArrowheads="1"/>
+          </p:cNvPicPr>
+          <p:nvPr/>
+        </p:nvPicPr>
+        <p:blipFill>
+          <a:blip r:embed="rId5">
+            <a:extLst>
+              <a:ext uri="{28A0092B-C50C-407E-A947-70E740481C1C}">
+                <a14:useLocalDpi xmlns:a14="http://schemas.microsoft.com/office/drawing/2010/main" val="0"/>
+              </a:ext>
+            </a:extLst>
+          </a:blip>
+          <a:srcRect/>
+          <a:stretch>
+            <a:fillRect/>
+          </a:stretch>
+        </p:blipFill>
+        <p:spPr bwMode="auto">
+          <a:xfrm>
+            <a:off x="235764" y="2625644"/>
+            <a:ext cx="3440577" cy="3045959"/>
+          </a:xfrm>
+          <a:prstGeom prst="rect">
+            <a:avLst/>
+          </a:prstGeom>
+          <a:noFill/>
+          <a:extLst>
+            <a:ext uri="{909E8E84-426E-40DD-AFC4-6F175D3DCCD1}">
+              <a14:hiddenFill xmlns:a14="http://schemas.microsoft.com/office/drawing/2010/main">
+                <a:solidFill>
+                  <a:srgbClr val="FFFFFF"/>
+                </a:solidFill>
+              </a14:hiddenFill>
+            </a:ext>
+          </a:extLst>
+        </p:spPr>
+      </p:pic>
+    </p:spTree>
+    <p:extLst>
+      <p:ext uri="{BB962C8B-B14F-4D97-AF65-F5344CB8AC3E}">
+        <p14:creationId xmlns:p14="http://schemas.microsoft.com/office/powerpoint/2010/main" val="1261873405"/>
+      </p:ext>
+    </p:extLst>
+  </p:cSld>
+  <p:clrMapOvr>
+    <a:masterClrMapping/>
+  </p:clrMapOvr>
+  <mc:AlternateContent xmlns:mc="http://schemas.openxmlformats.org/markup-compatibility/2006" xmlns:p14="http://schemas.microsoft.com/office/powerpoint/2010/main">
+    <mc:Choice Requires="p14">
+      <p:transition spd="med" p14:dur="700">
+        <p:fade/>
+      </p:transition>
+    </mc:Choice>
+    <mc:Fallback xmlns="">
+      <p:transition spd="med">
+        <p:fade/>
+      </p:transition>
+    </mc:Fallback>
+  </mc:AlternateContent>
+</p:sld>
+</file>
+
+<file path=ppt/slides/slide9.xml><?xml version="1.0" encoding="utf-8"?>
+<p:sld xmlns:a="http://schemas.openxmlformats.org/drawingml/2006/main" xmlns:r="http://schemas.openxmlformats.org/officeDocument/2006/relationships" xmlns:p="http://schemas.openxmlformats.org/presentationml/2006/main">
+  <p:cSld>
+    <p:bg>
+      <p:bgPr>
+        <a:solidFill>
+          <a:schemeClr val="tx1"/>
+        </a:solidFill>
+        <a:effectLst/>
+      </p:bgPr>
+    </p:bg>
+    <p:spTree>
+      <p:nvGrpSpPr>
+        <p:cNvPr id="1" name=""/>
+        <p:cNvGrpSpPr/>
+        <p:nvPr/>
+      </p:nvGrpSpPr>
+      <p:grpSpPr>
+        <a:xfrm>
+          <a:off x="0" y="0"/>
+          <a:ext cx="0" cy="0"/>
+          <a:chOff x="0" y="0"/>
+          <a:chExt cx="0" cy="0"/>
+        </a:xfrm>
+      </p:grpSpPr>
+      <p:sp>
+        <p:nvSpPr>
+          <p:cNvPr id="2" name="Title 1"/>
+          <p:cNvSpPr>
+            <a:spLocks noGrp="1"/>
+          </p:cNvSpPr>
+          <p:nvPr>
+            <p:ph type="title"/>
+          </p:nvPr>
+        </p:nvSpPr>
+        <p:spPr/>
+        <p:txBody>
+          <a:bodyPr/>
+          <a:lstStyle/>
+          <a:p>
+            <a:r>
+              <a:rPr lang="en-US" dirty="0"/>
+              <a:t>Research – Testing</a:t>
+            </a:r>
+          </a:p>
+        </p:txBody>
+      </p:sp>
+      <p:pic>
+        <p:nvPicPr>
+          <p:cNvPr id="5" name="Picture 4">
+            <a:extLst>
+              <a:ext uri="{FF2B5EF4-FFF2-40B4-BE49-F238E27FC236}">
+                <a16:creationId xmlns:a16="http://schemas.microsoft.com/office/drawing/2014/main" id="{D0664874-7DB8-46B9-9717-2C357AFBA469}"/>
+              </a:ext>
+            </a:extLst>
+          </p:cNvPr>
+          <p:cNvPicPr>
+            <a:picLocks noChangeAspect="1"/>
+          </p:cNvPicPr>
+          <p:nvPr/>
+        </p:nvPicPr>
+        <p:blipFill>
+          <a:blip r:embed="rId3"/>
+          <a:stretch>
+            <a:fillRect/>
+          </a:stretch>
+        </p:blipFill>
+        <p:spPr>
+          <a:xfrm>
+            <a:off x="2177865" y="2850203"/>
+            <a:ext cx="7366665" cy="2057357"/>
+          </a:xfrm>
+          <a:prstGeom prst="rect">
+            <a:avLst/>
+          </a:prstGeom>
+        </p:spPr>
+      </p:pic>
+    </p:spTree>
+    <p:extLst>
+      <p:ext uri="{BB962C8B-B14F-4D97-AF65-F5344CB8AC3E}">
+        <p14:creationId xmlns:p14="http://schemas.microsoft.com/office/powerpoint/2010/main" val="4208934774"/>
       </p:ext>
     </p:extLst>
   </p:cSld>
